--- a/Turnover_Predict/Turnover_Presentation.pptx
+++ b/Turnover_Predict/Turnover_Presentation.pptx
@@ -162,6 +162,7 @@
 <file path=ppt/revisionInfo.xml><?xml version="1.0" encoding="utf-8"?>
 <p1510:revInfo xmlns:a="http://schemas.openxmlformats.org/drawingml/2006/main" xmlns:r="http://schemas.openxmlformats.org/officeDocument/2006/relationships" xmlns:p1510="http://schemas.microsoft.com/office/powerpoint/2015/10/main">
   <p1510:revLst>
+    <p1510:client id="{06D36A66-6127-0D12-D5AA-2FDE9390E2F6}" v="687" dt="2021-11-28T04:35:02.155"/>
     <p1510:client id="{162BD535-8337-3DFF-490F-B5C2E5767A74}" v="2909" dt="2021-11-23T22:44:36.774"/>
     <p1510:client id="{4840A32A-E716-32FA-5821-A027B0CE38F8}" v="6832" dt="2021-11-24T00:16:52.343"/>
     <p1510:client id="{D57D41DE-04DC-84B8-B905-8578153C9FFE}" v="1677" dt="2021-11-27T02:32:11.551"/>
@@ -263,7 +264,7 @@
           <a:p>
             <a:fld id="{EF1077DB-935E-4A0A-947A-D283B9F9F452}" type="datetimeFigureOut">
               <a:rPr lang="en-US" smtClean="0"/>
-              <a:t>11/26/2021</a:t>
+              <a:t>11/27/2021</a:t>
             </a:fld>
             <a:endParaRPr lang="en-US"/>
           </a:p>
@@ -440,7 +441,7 @@
           <a:p>
             <a:fld id="{2D9EC30E-1A71-4188-9BE7-E2A64929A436}" type="datetimeFigureOut">
               <a:rPr lang="en-US" noProof="0" smtClean="0"/>
-              <a:t>11/26/2021</a:t>
+              <a:t>11/27/2021</a:t>
             </a:fld>
             <a:endParaRPr lang="en-US" noProof="0"/>
           </a:p>
@@ -7641,7 +7642,7 @@
                 </a:solidFill>
               </a:rPr>
               <a:pPr/>
-              <a:t>11/26/2021</a:t>
+              <a:t>11/27/2021</a:t>
             </a:fld>
             <a:endParaRPr lang="en-US" sz="1100">
               <a:solidFill>
@@ -8734,7 +8735,7 @@
         </p:nvSpPr>
         <p:spPr>
           <a:xfrm>
-            <a:off x="690479" y="364570"/>
+            <a:off x="730584" y="184096"/>
             <a:ext cx="6268758" cy="850535"/>
           </a:xfrm>
         </p:spPr>
@@ -8846,8 +8847,8 @@
         </p:nvSpPr>
         <p:spPr>
           <a:xfrm>
-            <a:off x="36858" y="607256"/>
-            <a:ext cx="6381538" cy="6503319"/>
+            <a:off x="-63405" y="567151"/>
+            <a:ext cx="6872827" cy="6163739"/>
           </a:xfrm>
           <a:prstGeom prst="rect">
             <a:avLst/>
@@ -8899,7 +8900,7 @@
               <a:buChar char="§"/>
             </a:pPr>
             <a:r>
-              <a:rPr lang="en-US" sz="1400" b="1" dirty="0">
+              <a:rPr lang="en-US" sz="1600" b="1" dirty="0">
                 <a:solidFill>
                   <a:schemeClr val="tx1">
                     <a:lumMod val="75000"/>
@@ -8909,7 +8910,7 @@
                 <a:ea typeface="+mn-lt"/>
                 <a:cs typeface="+mn-lt"/>
               </a:rPr>
-              <a:t>Attempted to prioritize metrics from the viewpoint of employer </a:t>
+              <a:t>How to prioritize performance metrics from the viewpoint of the employer?</a:t>
             </a:r>
           </a:p>
           <a:p>
@@ -8924,7 +8925,7 @@
               <a:buChar char="§"/>
             </a:pPr>
             <a:r>
-              <a:rPr lang="en-US" sz="1400" b="1" u="sng" dirty="0">
+              <a:rPr lang="en-US" sz="1600" b="1" u="sng" dirty="0">
                 <a:solidFill>
                   <a:schemeClr val="accent5"/>
                 </a:solidFill>
@@ -8934,7 +8935,7 @@
               <a:t>Goal:</a:t>
             </a:r>
             <a:r>
-              <a:rPr lang="en-US" sz="1400" b="1" dirty="0">
+              <a:rPr lang="en-US" sz="1600" b="1" dirty="0">
                 <a:solidFill>
                   <a:schemeClr val="accent5"/>
                 </a:solidFill>
@@ -8943,10 +8944,110 @@
               </a:rPr>
               <a:t> identify employees who are thinking of quitting in order to employ potential interventions for employee retention</a:t>
             </a:r>
-            <a:endParaRPr lang="en-US" b="1" dirty="0">
+            <a:endParaRPr lang="en-US" sz="1600" b="1">
               <a:solidFill>
                 <a:schemeClr val="accent5"/>
               </a:solidFill>
+              <a:cs typeface="Calibri Light"/>
+            </a:endParaRPr>
+          </a:p>
+          <a:p>
+            <a:pPr marL="1200150" lvl="2" indent="-285750">
+              <a:lnSpc>
+                <a:spcPct val="90000"/>
+              </a:lnSpc>
+              <a:spcBef>
+                <a:spcPts val="1000"/>
+              </a:spcBef>
+              <a:buFont typeface="Wingdings"/>
+              <a:buChar char="§"/>
+            </a:pPr>
+            <a:r>
+              <a:rPr lang="en-US" sz="1600" b="1" u="sng" dirty="0">
+                <a:solidFill>
+                  <a:schemeClr val="tx1">
+                    <a:lumMod val="75000"/>
+                    <a:lumOff val="25000"/>
+                  </a:schemeClr>
+                </a:solidFill>
+                <a:cs typeface="Calibri Light"/>
+              </a:rPr>
+              <a:t>Precision</a:t>
+            </a:r>
+            <a:r>
+              <a:rPr lang="en-US" sz="1600" b="1" dirty="0">
+                <a:solidFill>
+                  <a:schemeClr val="tx1">
+                    <a:lumMod val="75000"/>
+                    <a:lumOff val="25000"/>
+                  </a:schemeClr>
+                </a:solidFill>
+                <a:cs typeface="Calibri Light"/>
+              </a:rPr>
+              <a:t>: % of all employees predicted as High-Risk that were truly High-Risk</a:t>
+            </a:r>
+            <a:r>
+              <a:rPr lang="en-US" sz="1600" b="1" dirty="0">
+                <a:solidFill>
+                  <a:schemeClr val="accent5"/>
+                </a:solidFill>
+                <a:cs typeface="Calibri Light"/>
+              </a:rPr>
+              <a:t> </a:t>
+            </a:r>
+            <a:endParaRPr lang="en-US" sz="1600" b="1" dirty="0">
+              <a:solidFill>
+                <a:schemeClr val="accent5"/>
+              </a:solidFill>
+              <a:ea typeface="+mn-lt"/>
+              <a:cs typeface="+mn-lt"/>
+            </a:endParaRPr>
+          </a:p>
+          <a:p>
+            <a:pPr marL="1200150" lvl="2" indent="-285750">
+              <a:lnSpc>
+                <a:spcPct val="90000"/>
+              </a:lnSpc>
+              <a:spcBef>
+                <a:spcPts val="1000"/>
+              </a:spcBef>
+              <a:buFont typeface="Wingdings"/>
+              <a:buChar char="§"/>
+            </a:pPr>
+            <a:r>
+              <a:rPr lang="en-US" sz="1600" b="1" u="sng" dirty="0">
+                <a:solidFill>
+                  <a:schemeClr val="tx1">
+                    <a:lumMod val="75000"/>
+                    <a:lumOff val="25000"/>
+                  </a:schemeClr>
+                </a:solidFill>
+                <a:ea typeface="+mn-lt"/>
+                <a:cs typeface="+mn-lt"/>
+              </a:rPr>
+              <a:t>Recall</a:t>
+            </a:r>
+            <a:r>
+              <a:rPr lang="en-US" sz="1600" b="1" dirty="0">
+                <a:solidFill>
+                  <a:schemeClr val="tx1">
+                    <a:lumMod val="75000"/>
+                    <a:lumOff val="25000"/>
+                  </a:schemeClr>
+                </a:solidFill>
+                <a:ea typeface="+mn-lt"/>
+                <a:cs typeface="+mn-lt"/>
+              </a:rPr>
+              <a:t>: % of all High-Risk employees that were "detected" and predicted as such</a:t>
+            </a:r>
+            <a:endParaRPr lang="en-US" sz="1600" b="1" dirty="0">
+              <a:solidFill>
+                <a:schemeClr val="tx1">
+                  <a:lumMod val="75000"/>
+                  <a:lumOff val="25000"/>
+                </a:schemeClr>
+              </a:solidFill>
+              <a:cs typeface="Calibri Light"/>
             </a:endParaRPr>
           </a:p>
           <a:p>
@@ -8958,7 +9059,7 @@
                 <a:spcPts val="1000"/>
               </a:spcBef>
             </a:pPr>
-            <a:endParaRPr lang="en-US" sz="1400" dirty="0">
+            <a:endParaRPr lang="en-US" sz="1600" b="1" dirty="0">
               <a:solidFill>
                 <a:schemeClr val="tx1">
                   <a:lumMod val="75000"/>
@@ -8983,7 +9084,7 @@
               <a:buChar char="§"/>
             </a:pPr>
             <a:r>
-              <a:rPr lang="en-US" sz="1400" b="1" dirty="0">
+              <a:rPr lang="en-US" sz="1600" b="1" dirty="0">
                 <a:solidFill>
                   <a:schemeClr val="tx1">
                     <a:lumMod val="75000"/>
@@ -8992,16 +9093,8 @@
                 </a:solidFill>
                 <a:cs typeface="Calibri Light"/>
               </a:rPr>
-              <a:t>Precision vs Recall?</a:t>
-            </a:r>
-            <a:endParaRPr lang="en-US" dirty="0">
-              <a:solidFill>
-                <a:schemeClr val="tx1">
-                  <a:lumMod val="75000"/>
-                  <a:lumOff val="25000"/>
-                </a:schemeClr>
-              </a:solidFill>
-            </a:endParaRPr>
+              <a:t>Prioritize detection of High-Risk employees but try to mitigate false pos. </a:t>
+            </a:r>
           </a:p>
           <a:p>
             <a:pPr marL="1257300" lvl="2" indent="-342900">
@@ -9018,37 +9111,13 @@
               <a:buChar char="§"/>
             </a:pPr>
             <a:r>
-              <a:rPr lang="en-US" sz="1400" b="1" u="sng" dirty="0">
-                <a:solidFill>
-                  <a:schemeClr val="tx1">
-                    <a:lumMod val="75000"/>
-                    <a:lumOff val="25000"/>
-                  </a:schemeClr>
-                </a:solidFill>
-                <a:cs typeface="Calibri Light"/>
-              </a:rPr>
-              <a:t>Precision</a:t>
-            </a:r>
-            <a:r>
-              <a:rPr lang="en-US" sz="1400" dirty="0">
-                <a:solidFill>
-                  <a:schemeClr val="tx1">
-                    <a:lumMod val="75000"/>
-                    <a:lumOff val="25000"/>
-                  </a:schemeClr>
-                </a:solidFill>
-                <a:cs typeface="Calibri Light"/>
-              </a:rPr>
-              <a:t>: </a:t>
-            </a:r>
-            <a:r>
-              <a:rPr lang="en-US" sz="1400" b="1" dirty="0">
+              <a:rPr lang="en-US" sz="1600" b="1" dirty="0">
                 <a:solidFill>
                   <a:schemeClr val="accent5"/>
                 </a:solidFill>
                 <a:cs typeface="Calibri Light"/>
               </a:rPr>
-              <a:t>Percentage of predictions made for each class that were accurate (focusing on prediction accuracy)</a:t>
+              <a:t>Failing to detect employees who end up quitting is the costliest mistake an employer can make</a:t>
             </a:r>
           </a:p>
           <a:p>
@@ -9066,38 +9135,33 @@
               <a:buChar char="§"/>
             </a:pPr>
             <a:r>
-              <a:rPr lang="en-US" sz="1400" b="1" u="sng" dirty="0">
-                <a:solidFill>
-                  <a:schemeClr val="tx1">
-                    <a:lumMod val="75000"/>
-                    <a:lumOff val="25000"/>
-                  </a:schemeClr>
-                </a:solidFill>
-                <a:cs typeface="Calibri Light"/>
-              </a:rPr>
-              <a:t>Recall</a:t>
-            </a:r>
-            <a:r>
-              <a:rPr lang="en-US" sz="1400" dirty="0">
-                <a:solidFill>
-                  <a:schemeClr val="tx1">
-                    <a:lumMod val="75000"/>
-                    <a:lumOff val="25000"/>
-                  </a:schemeClr>
-                </a:solidFill>
-                <a:cs typeface="Calibri Light"/>
-              </a:rPr>
-              <a:t>: </a:t>
-            </a:r>
-            <a:r>
-              <a:rPr lang="en-US" sz="1400" b="1" dirty="0">
+              <a:rPr lang="en-US" sz="1600" b="1" dirty="0">
                 <a:solidFill>
                   <a:schemeClr val="accent5"/>
                 </a:solidFill>
                 <a:cs typeface="Calibri Light"/>
               </a:rPr>
-              <a:t>Percentage of actual class members that were accurately detected and predicted as such (focusing on class detection)</a:t>
-            </a:r>
+              <a:t>False positives are also costly to the employer because they represent unnecessary interventions, but less costly than rehiring</a:t>
+            </a:r>
+          </a:p>
+          <a:p>
+            <a:pPr lvl="2">
+              <a:lnSpc>
+                <a:spcPct val="90000"/>
+              </a:lnSpc>
+              <a:spcBef>
+                <a:spcPts val="1000"/>
+              </a:spcBef>
+              <a:buClr>
+                <a:schemeClr val="accent4"/>
+              </a:buClr>
+            </a:pPr>
+            <a:endParaRPr lang="en-US" sz="1600" b="1" dirty="0">
+              <a:solidFill>
+                <a:schemeClr val="accent5"/>
+              </a:solidFill>
+              <a:cs typeface="Calibri Light"/>
+            </a:endParaRPr>
           </a:p>
           <a:p>
             <a:pPr marL="800100" lvl="1" indent="-342900">
@@ -9113,32 +9177,8 @@
               <a:buFont typeface="Wingdings" panose="05000000000000000000" pitchFamily="2" charset="2"/>
               <a:buChar char="§"/>
             </a:pPr>
-            <a:endParaRPr lang="en-US" sz="1400" dirty="0">
-              <a:solidFill>
-                <a:schemeClr val="tx1">
-                  <a:lumMod val="75000"/>
-                  <a:lumOff val="25000"/>
-                </a:schemeClr>
-              </a:solidFill>
-              <a:cs typeface="Calibri Light"/>
-            </a:endParaRPr>
-          </a:p>
-          <a:p>
-            <a:pPr marL="800100" lvl="1" indent="-342900">
-              <a:lnSpc>
-                <a:spcPct val="90000"/>
-              </a:lnSpc>
-              <a:spcBef>
-                <a:spcPts val="1000"/>
-              </a:spcBef>
-              <a:buClr>
-                <a:schemeClr val="accent4"/>
-              </a:buClr>
-              <a:buFont typeface="Wingdings" panose="05000000000000000000" pitchFamily="2" charset="2"/>
-              <a:buChar char="§"/>
-            </a:pPr>
-            <a:r>
-              <a:rPr lang="en-US" sz="1400" b="1" dirty="0">
+            <a:r>
+              <a:rPr lang="en-US" sz="1600" b="1" dirty="0">
                 <a:solidFill>
                   <a:schemeClr val="tx1">
                     <a:lumMod val="75000"/>
@@ -9147,7 +9187,7 @@
                 </a:solidFill>
                 <a:cs typeface="Calibri Light"/>
               </a:rPr>
-              <a:t>Prioritized identification of positive class (high risk) in a manner that would still attempt to minimize false positives </a:t>
+              <a:t>Created custom composite performance metric for final model selection </a:t>
             </a:r>
           </a:p>
           <a:p>
@@ -9165,43 +9205,14 @@
               <a:buChar char="§"/>
             </a:pPr>
             <a:r>
-              <a:rPr lang="en-US" sz="1400" b="1" dirty="0">
+              <a:rPr lang="en-US" sz="1600" b="1" dirty="0">
                 <a:solidFill>
                   <a:schemeClr val="accent5"/>
                 </a:solidFill>
                 <a:cs typeface="Calibri Light"/>
               </a:rPr>
-              <a:t>Failing to detect employees who are at high risk of quitting is the costliest mistake an employer can make</a:t>
-            </a:r>
-          </a:p>
-          <a:p>
-            <a:pPr marL="1257300" lvl="2" indent="-342900">
-              <a:lnSpc>
-                <a:spcPct val="90000"/>
-              </a:lnSpc>
-              <a:spcBef>
-                <a:spcPts val="1000"/>
-              </a:spcBef>
-              <a:buClr>
-                <a:schemeClr val="accent4"/>
-              </a:buClr>
-              <a:buFont typeface="Wingdings" panose="05000000000000000000" pitchFamily="2" charset="2"/>
-              <a:buChar char="§"/>
-            </a:pPr>
-            <a:r>
-              <a:rPr lang="en-US" sz="1400" b="1" dirty="0">
-                <a:solidFill>
-                  <a:schemeClr val="accent5"/>
-                </a:solidFill>
-                <a:cs typeface="Calibri Light"/>
-              </a:rPr>
-              <a:t>False positives are also costly to the employer because they represent unnecessary interventions, but less costly than rehiring</a:t>
-            </a:r>
-            <a:endParaRPr lang="en-US" b="1" dirty="0">
-              <a:solidFill>
-                <a:schemeClr val="accent5"/>
-              </a:solidFill>
-            </a:endParaRPr>
+              <a:t>High-Risk Recall (2/3 weight) + High-Risk Precision (1/3 weight)</a:t>
+            </a:r>
           </a:p>
           <a:p>
             <a:pPr lvl="2">
@@ -9215,87 +9226,12 @@
                 <a:schemeClr val="accent4"/>
               </a:buClr>
             </a:pPr>
-            <a:endParaRPr lang="en-US" sz="1400" b="1" dirty="0">
+            <a:endParaRPr lang="en-US" sz="1600" b="1" dirty="0">
               <a:solidFill>
                 <a:schemeClr val="accent5"/>
               </a:solidFill>
               <a:cs typeface="Calibri Light"/>
             </a:endParaRPr>
-          </a:p>
-          <a:p>
-            <a:pPr marL="800100" lvl="1" indent="-342900">
-              <a:lnSpc>
-                <a:spcPct val="90000"/>
-              </a:lnSpc>
-              <a:spcBef>
-                <a:spcPts val="1000"/>
-              </a:spcBef>
-              <a:buClr>
-                <a:schemeClr val="accent4"/>
-              </a:buClr>
-              <a:buFont typeface="Wingdings" panose="05000000000000000000" pitchFamily="2" charset="2"/>
-              <a:buChar char="§"/>
-            </a:pPr>
-            <a:r>
-              <a:rPr lang="en-US" sz="1400" b="1" dirty="0">
-                <a:solidFill>
-                  <a:schemeClr val="tx1">
-                    <a:lumMod val="75000"/>
-                    <a:lumOff val="25000"/>
-                  </a:schemeClr>
-                </a:solidFill>
-                <a:cs typeface="Calibri Light"/>
-              </a:rPr>
-              <a:t>Created custom composite performance metric for final model selection </a:t>
-            </a:r>
-          </a:p>
-          <a:p>
-            <a:pPr marL="1257300" lvl="2" indent="-342900">
-              <a:lnSpc>
-                <a:spcPct val="90000"/>
-              </a:lnSpc>
-              <a:spcBef>
-                <a:spcPts val="1000"/>
-              </a:spcBef>
-              <a:buClr>
-                <a:schemeClr val="accent4"/>
-              </a:buClr>
-              <a:buFont typeface="Wingdings" panose="05000000000000000000" pitchFamily="2" charset="2"/>
-              <a:buChar char="§"/>
-            </a:pPr>
-            <a:r>
-              <a:rPr lang="en-US" sz="1400" b="1" dirty="0">
-                <a:solidFill>
-                  <a:schemeClr val="accent5"/>
-                </a:solidFill>
-                <a:cs typeface="Calibri Light"/>
-              </a:rPr>
-              <a:t>Positive Recall (2/3 weight) + Positive Precision (1/3 weight)</a:t>
-            </a:r>
-          </a:p>
-          <a:p>
-            <a:pPr marL="1257300" lvl="2" indent="-342900">
-              <a:lnSpc>
-                <a:spcPct val="90000"/>
-              </a:lnSpc>
-              <a:spcBef>
-                <a:spcPts val="1000"/>
-              </a:spcBef>
-              <a:buClr>
-                <a:schemeClr val="accent4"/>
-              </a:buClr>
-              <a:buFont typeface="Wingdings" panose="05000000000000000000" pitchFamily="2" charset="2"/>
-              <a:buChar char="§"/>
-            </a:pPr>
-            <a:r>
-              <a:rPr lang="en-US" sz="1400" b="1" dirty="0">
-                <a:solidFill>
-                  <a:schemeClr val="accent5"/>
-                </a:solidFill>
-                <a:cs typeface="Calibri Light"/>
-              </a:rPr>
-              <a:t>Percentage of actual high-risk accurately detected weighted 2x higher than percentage of high-risk predictions that were correct</a:t>
-            </a:r>
           </a:p>
           <a:p>
             <a:pPr marL="1714500" lvl="3" indent="-342900">
@@ -9389,10 +9325,12 @@
           <a:bodyPr lIns="91440" tIns="45720" rIns="91440" bIns="45720" anchor="t"/>
           <a:lstStyle/>
           <a:p>
-            <a:r>
-              <a:rPr lang="en-US"/>
+            <a:pPr algn="ctr"/>
+            <a:r>
+              <a:rPr lang="en-US" sz="4000" dirty="0"/>
               <a:t>Results</a:t>
             </a:r>
+            <a:endParaRPr lang="en-US"/>
           </a:p>
         </p:txBody>
       </p:sp>
@@ -10624,7 +10562,7 @@
         <p:spPr>
           <a:xfrm>
             <a:off x="338016" y="1715990"/>
-            <a:ext cx="6633922" cy="4647426"/>
+            <a:ext cx="6633922" cy="4339650"/>
           </a:xfrm>
           <a:prstGeom prst="rect">
             <a:avLst/>
@@ -10801,13 +10739,22 @@
               <a:buChar char="•"/>
             </a:pPr>
             <a:r>
+              <a:rPr lang="en-US" sz="2000" b="1" u="sng" dirty="0">
+                <a:solidFill>
+                  <a:schemeClr val="accent5"/>
+                </a:solidFill>
+                <a:cs typeface="Calibri Light"/>
+              </a:rPr>
+              <a:t>Bottom Line</a:t>
+            </a:r>
+            <a:r>
               <a:rPr lang="en-US" sz="2000" b="1" dirty="0">
                 <a:solidFill>
                   <a:schemeClr val="accent5"/>
                 </a:solidFill>
                 <a:cs typeface="Calibri Light"/>
               </a:rPr>
-              <a:t>Bottom Line: Don't get fancy, use logistic regression and account for unbalanced data!</a:t>
+              <a:t>: Don't put machine learning on a pedestal</a:t>
             </a:r>
           </a:p>
           <a:p>
@@ -10905,7 +10852,7 @@
           <a:lstStyle/>
           <a:p>
             <a:r>
-              <a:rPr lang="en-US"/>
+              <a:rPr lang="en-US" sz="4000" dirty="0"/>
               <a:t>Introduction</a:t>
             </a:r>
           </a:p>
@@ -10949,7 +10896,7 @@
               <a:rPr lang="en-US" sz="1800" b="1" dirty="0">
                 <a:cs typeface="Calibri Light"/>
               </a:rPr>
-              <a:t>1,454 employees across 199 Organizations</a:t>
+              <a:t>1,454 employees surveyed across 199 Organizations</a:t>
             </a:r>
             <a:endParaRPr lang="en-US" b="1" dirty="0"/>
           </a:p>
@@ -10957,6 +10904,9 @@
             <a:pPr lvl="1"/>
             <a:r>
               <a:rPr lang="en-US" sz="1800" dirty="0">
+                <a:solidFill>
+                  <a:srgbClr val="404040"/>
+                </a:solidFill>
                 <a:cs typeface="Calibri Light"/>
               </a:rPr>
               <a:t>Convenience Sample of small and medium-sized businesses from 2017-2019 in The Netherlands </a:t>
@@ -10973,28 +10923,70 @@
           <a:p>
             <a:pPr lvl="1"/>
             <a:r>
+              <a:rPr lang="en-US" sz="1800" b="1" dirty="0">
+                <a:solidFill>
+                  <a:schemeClr val="accent5"/>
+                </a:solidFill>
+                <a:cs typeface="Calibri Light"/>
+              </a:rPr>
+              <a:t>Demographics </a:t>
+            </a:r>
+            <a:r>
+              <a:rPr lang="en-US" sz="1800" dirty="0">
+                <a:solidFill>
+                  <a:schemeClr val="accent5"/>
+                </a:solidFill>
+                <a:cs typeface="Calibri Light"/>
+              </a:rPr>
+              <a:t>(Gender, Age, Education)</a:t>
+            </a:r>
+          </a:p>
+          <a:p>
+            <a:pPr lvl="1"/>
+            <a:r>
+              <a:rPr lang="en-US" sz="1800" b="1" dirty="0">
+                <a:solidFill>
+                  <a:schemeClr val="accent5"/>
+                </a:solidFill>
+                <a:cs typeface="Calibri Light"/>
+              </a:rPr>
+              <a:t>Job Specific</a:t>
+            </a:r>
+            <a:r>
               <a:rPr lang="en-US" sz="1800" dirty="0">
                 <a:cs typeface="Calibri Light"/>
               </a:rPr>
-              <a:t>Demographics (Gender, Age, Education)</a:t>
-            </a:r>
-          </a:p>
-          <a:p>
-            <a:pPr lvl="1"/>
+              <a:t> </a:t>
+            </a:r>
             <a:r>
               <a:rPr lang="en-US" sz="1800" dirty="0">
+                <a:solidFill>
+                  <a:schemeClr val="accent5"/>
+                </a:solidFill>
                 <a:cs typeface="Calibri Light"/>
               </a:rPr>
-              <a:t>Job Specific (Position, Hours per week, FTE)</a:t>
+              <a:t>(Position, Hours per week, FTE)</a:t>
             </a:r>
           </a:p>
           <a:p>
             <a:pPr lvl="1"/>
             <a:r>
-              <a:rPr lang="en-US" sz="1800">
+              <a:rPr lang="en-US" sz="1800" b="1" dirty="0">
+                <a:solidFill>
+                  <a:schemeClr val="accent5"/>
+                </a:solidFill>
                 <a:cs typeface="Calibri Light"/>
               </a:rPr>
-              <a:t>Work Culture (LMX, Info Share, Employee Voice, Pay Satisfaction, Fairness Perceptions, Career Guidance)</a:t>
+              <a:t>Work Culture</a:t>
+            </a:r>
+            <a:r>
+              <a:rPr lang="en-US" sz="1800" dirty="0">
+                <a:solidFill>
+                  <a:schemeClr val="accent5"/>
+                </a:solidFill>
+                <a:cs typeface="Calibri Light"/>
+              </a:rPr>
+              <a:t> (LMX, Info Share, Employee Voice, Pay Satisfaction, Fairness Perceptions, Career Guidance)</a:t>
             </a:r>
           </a:p>
           <a:p>
@@ -11008,7 +11000,10 @@
           <a:p>
             <a:pPr lvl="1"/>
             <a:r>
-              <a:rPr lang="en-US" sz="1800" dirty="0">
+              <a:rPr lang="en-US" sz="1800" b="1" dirty="0">
+                <a:solidFill>
+                  <a:schemeClr val="accent5"/>
+                </a:solidFill>
                 <a:cs typeface="Calibri Light"/>
               </a:rPr>
               <a:t>HR Availability </a:t>
@@ -11017,19 +11012,22 @@
           <a:p>
             <a:pPr lvl="1"/>
             <a:r>
-              <a:rPr lang="en-US" sz="1800">
+              <a:rPr lang="en-US" sz="1800" b="1" dirty="0">
+                <a:solidFill>
+                  <a:schemeClr val="accent5"/>
+                </a:solidFill>
                 <a:cs typeface="Calibri Light"/>
               </a:rPr>
               <a:t>Turnover Rates</a:t>
             </a:r>
-            <a:endParaRPr lang="en-US" sz="1800" dirty="0">
-              <a:cs typeface="Calibri Light"/>
-            </a:endParaRPr>
           </a:p>
           <a:p>
             <a:pPr lvl="1"/>
             <a:r>
-              <a:rPr lang="en-US" sz="1800" dirty="0">
+              <a:rPr lang="en-US" sz="1800" b="1" dirty="0">
+                <a:solidFill>
+                  <a:schemeClr val="accent5"/>
+                </a:solidFill>
                 <a:cs typeface="Calibri Light"/>
               </a:rPr>
               <a:t>Employee Involvement </a:t>
@@ -11038,7 +11036,10 @@
           <a:p>
             <a:pPr lvl="1"/>
             <a:r>
-              <a:rPr lang="en-US" sz="1800" dirty="0">
+              <a:rPr lang="en-US" sz="1800" b="1" dirty="0">
+                <a:solidFill>
+                  <a:schemeClr val="accent5"/>
+                </a:solidFill>
                 <a:cs typeface="Calibri Light"/>
               </a:rPr>
               <a:t>Corporate Entrepreneurship</a:t>
@@ -11197,8 +11198,8 @@
         </p:nvSpPr>
         <p:spPr>
           <a:xfrm>
-            <a:off x="660400" y="434754"/>
-            <a:ext cx="5105522" cy="850535"/>
+            <a:off x="640348" y="434754"/>
+            <a:ext cx="4724522" cy="549746"/>
           </a:xfrm>
         </p:spPr>
         <p:txBody>
@@ -11206,7 +11207,7 @@
           <a:lstStyle/>
           <a:p>
             <a:r>
-              <a:rPr lang="en-US"/>
+              <a:rPr lang="en-US" sz="4000" dirty="0"/>
               <a:t>Introduction cont.</a:t>
             </a:r>
           </a:p>
@@ -11230,7 +11231,7 @@
         </p:nvSpPr>
         <p:spPr>
           <a:xfrm>
-            <a:off x="660400" y="1343630"/>
+            <a:off x="640347" y="1233341"/>
             <a:ext cx="5838214" cy="2398224"/>
           </a:xfrm>
         </p:spPr>
@@ -11407,7 +11408,7 @@
         </p:nvSpPr>
         <p:spPr>
           <a:xfrm>
-            <a:off x="540085" y="4253162"/>
+            <a:off x="540085" y="4112794"/>
             <a:ext cx="6373201" cy="2063129"/>
           </a:xfrm>
           <a:prstGeom prst="rect">
@@ -11661,8 +11662,8 @@
           <a:lstStyle/>
           <a:p>
             <a:r>
-              <a:rPr lang="en-US" sz="4400" dirty="0"/>
-              <a:t>Research Methods</a:t>
+              <a:rPr lang="en-US" sz="4000" dirty="0"/>
+              <a:t>Methods</a:t>
             </a:r>
           </a:p>
         </p:txBody>
@@ -12498,13 +12499,13 @@
         </p:nvPicPr>
         <p:blipFill rotWithShape="1">
           <a:blip r:embed="rId2"/>
-          <a:srcRect l="40899" r="-112" b="-200"/>
+          <a:srcRect l="43762" t="13582" r="3743" b="8829"/>
           <a:stretch/>
         </p:blipFill>
         <p:spPr>
           <a:xfrm>
-            <a:off x="2819400" y="782555"/>
-            <a:ext cx="6189808" cy="5924571"/>
+            <a:off x="2578768" y="1013160"/>
+            <a:ext cx="6430050" cy="5359679"/>
           </a:xfrm>
           <a:prstGeom prst="rect">
             <a:avLst/>
@@ -12797,7 +12798,7 @@
         </p:nvSpPr>
         <p:spPr>
           <a:xfrm>
-            <a:off x="2391853" y="144067"/>
+            <a:off x="2472064" y="144067"/>
             <a:ext cx="6845594" cy="850535"/>
           </a:xfrm>
         </p:spPr>
@@ -12807,7 +12808,7 @@
           <a:p>
             <a:pPr algn="ctr"/>
             <a:r>
-              <a:rPr lang="en-US"/>
+              <a:rPr lang="en-US" sz="4000" dirty="0"/>
               <a:t>K-Nearest Neighbors</a:t>
             </a:r>
           </a:p>
@@ -12967,10 +12968,16 @@
           <a:bodyPr lIns="91440" tIns="45720" rIns="91440" bIns="45720" anchor="t"/>
           <a:lstStyle/>
           <a:p>
-            <a:r>
-              <a:rPr lang="en-US"/>
-              <a:t>Decision Tree </a:t>
-            </a:r>
+            <a:pPr algn="ctr"/>
+            <a:r>
+              <a:rPr lang="en-US" sz="4000" dirty="0"/>
+              <a:t>Decision Tree</a:t>
+            </a:r>
+            <a:r>
+              <a:rPr lang="en-US" dirty="0"/>
+              <a:t> </a:t>
+            </a:r>
+            <a:endParaRPr lang="en-US"/>
           </a:p>
         </p:txBody>
       </p:sp>
@@ -13128,10 +13135,16 @@
           <a:bodyPr lIns="91440" tIns="45720" rIns="91440" bIns="45720" anchor="t"/>
           <a:lstStyle/>
           <a:p>
-            <a:r>
-              <a:rPr lang="en-US"/>
-              <a:t>Random Forest </a:t>
-            </a:r>
+            <a:pPr algn="ctr"/>
+            <a:r>
+              <a:rPr lang="en-US" sz="4000" dirty="0"/>
+              <a:t>Random Forest</a:t>
+            </a:r>
+            <a:r>
+              <a:rPr lang="en-US" dirty="0"/>
+              <a:t> </a:t>
+            </a:r>
+            <a:endParaRPr lang="en-US"/>
           </a:p>
         </p:txBody>
       </p:sp>
@@ -14067,15 +14080,6 @@
 </file>
 
 <file path=customXml/item2.xml><?xml version="1.0" encoding="utf-8"?>
-<p:properties xmlns:p="http://schemas.microsoft.com/office/2006/metadata/properties" xmlns:xsi="http://www.w3.org/2001/XMLSchema-instance" xmlns:pc="http://schemas.microsoft.com/office/infopath/2007/PartnerControls">
-  <documentManagement>
-    <Status xmlns="71af3243-3dd4-4a8d-8c0d-dd76da1f02a5">Not started</Status>
-    <MediaServiceKeyPoints xmlns="71af3243-3dd4-4a8d-8c0d-dd76da1f02a5" xsi:nil="true"/>
-  </documentManagement>
-</p:properties>
-</file>
-
-<file path=customXml/item3.xml><?xml version="1.0" encoding="utf-8"?>
 <ct:contentTypeSchema xmlns:ct="http://schemas.microsoft.com/office/2006/metadata/contentType" xmlns:ma="http://schemas.microsoft.com/office/2006/metadata/properties/metaAttributes" ct:_="" ma:_="" ma:contentTypeName="Document" ma:contentTypeID="0x01010079F111ED35F8CC479449609E8A0923A6" ma:contentTypeVersion="12" ma:contentTypeDescription="Create a new document." ma:contentTypeScope="" ma:versionID="426e97fa315356fffbdcd9876fe988c2">
   <xsd:schema xmlns:xsd="http://www.w3.org/2001/XMLSchema" xmlns:xs="http://www.w3.org/2001/XMLSchema" xmlns:p="http://schemas.microsoft.com/office/2006/metadata/properties" xmlns:ns2="71af3243-3dd4-4a8d-8c0d-dd76da1f02a5" xmlns:ns3="16c05727-aa75-4e4a-9b5f-8a80a1165891" targetNamespace="http://schemas.microsoft.com/office/2006/metadata/properties" ma:root="true" ma:fieldsID="14b8f0def80e6d70ce3def20c90759ae" ns2:_="" ns3:_="">
     <xsd:import namespace="71af3243-3dd4-4a8d-8c0d-dd76da1f02a5"/>
@@ -14296,6 +14300,15 @@
 </ct:contentTypeSchema>
 </file>
 
+<file path=customXml/item3.xml><?xml version="1.0" encoding="utf-8"?>
+<p:properties xmlns:p="http://schemas.microsoft.com/office/2006/metadata/properties" xmlns:xsi="http://www.w3.org/2001/XMLSchema-instance" xmlns:pc="http://schemas.microsoft.com/office/infopath/2007/PartnerControls">
+  <documentManagement>
+    <Status xmlns="71af3243-3dd4-4a8d-8c0d-dd76da1f02a5">Not started</Status>
+    <MediaServiceKeyPoints xmlns="71af3243-3dd4-4a8d-8c0d-dd76da1f02a5" xsi:nil="true"/>
+  </documentManagement>
+</p:properties>
+</file>
+
 <file path=customXml/itemProps1.xml><?xml version="1.0" encoding="utf-8"?>
 <ds:datastoreItem xmlns:ds="http://schemas.openxmlformats.org/officeDocument/2006/customXml" ds:itemID="{05D99ABA-76CE-4A8E-B5F0-C051B96628DE}">
   <ds:schemaRefs>
@@ -14305,16 +14318,6 @@
 </file>
 
 <file path=customXml/itemProps2.xml><?xml version="1.0" encoding="utf-8"?>
-<ds:datastoreItem xmlns:ds="http://schemas.openxmlformats.org/officeDocument/2006/customXml" ds:itemID="{4DEA9014-ED64-4558-B1E1-D03F0EE32BEB}">
-  <ds:schemaRefs>
-    <ds:schemaRef ds:uri="71af3243-3dd4-4a8d-8c0d-dd76da1f02a5"/>
-    <ds:schemaRef ds:uri="http://schemas.microsoft.com/office/2006/metadata/properties"/>
-    <ds:schemaRef ds:uri="http://schemas.microsoft.com/office/infopath/2007/PartnerControls"/>
-  </ds:schemaRefs>
-</ds:datastoreItem>
-</file>
-
-<file path=customXml/itemProps3.xml><?xml version="1.0" encoding="utf-8"?>
 <ds:datastoreItem xmlns:ds="http://schemas.openxmlformats.org/officeDocument/2006/customXml" ds:itemID="{B19EB750-A6DA-4BE8-B87B-FC499FE73360}">
   <ds:schemaRefs>
     <ds:schemaRef ds:uri="16c05727-aa75-4e4a-9b5f-8a80a1165891"/>
@@ -14331,4 +14334,14 @@
     <ds:schemaRef ds:uri="http://www.w3.org/2001/XMLSchema"/>
   </ds:schemaRefs>
 </ds:datastoreItem>
+</file>
+
+<file path=customXml/itemProps3.xml><?xml version="1.0" encoding="utf-8"?>
+<ds:datastoreItem xmlns:ds="http://schemas.openxmlformats.org/officeDocument/2006/customXml" ds:itemID="{4DEA9014-ED64-4558-B1E1-D03F0EE32BEB}">
+  <ds:schemaRefs>
+    <ds:schemaRef ds:uri="71af3243-3dd4-4a8d-8c0d-dd76da1f02a5"/>
+    <ds:schemaRef ds:uri="http://schemas.microsoft.com/office/2006/metadata/properties"/>
+    <ds:schemaRef ds:uri="http://schemas.microsoft.com/office/infopath/2007/PartnerControls"/>
+  </ds:schemaRefs>
+</ds:datastoreItem>
 </file>